--- a/Presentations/Aula11-Enlace-Cabeado/11-Enlace-Cabeado.pptx
+++ b/Presentations/Aula11-Enlace-Cabeado/11-Enlace-Cabeado.pptx
@@ -30,10 +30,10 @@
     <p:sldId id="599" r:id="rId21"/>
     <p:sldId id="600" r:id="rId22"/>
     <p:sldId id="601" r:id="rId23"/>
-    <p:sldId id="602" r:id="rId24"/>
-    <p:sldId id="603" r:id="rId25"/>
-    <p:sldId id="604" r:id="rId26"/>
-    <p:sldId id="610" r:id="rId27"/>
+    <p:sldId id="610" r:id="rId24"/>
+    <p:sldId id="602" r:id="rId25"/>
+    <p:sldId id="603" r:id="rId26"/>
+    <p:sldId id="604" r:id="rId27"/>
     <p:sldId id="611" r:id="rId28"/>
     <p:sldId id="605" r:id="rId29"/>
     <p:sldId id="606" r:id="rId30"/>
@@ -281,7 +281,7 @@
               <a:pPr>
                 <a:defRPr/>
               </a:pPr>
-              <a:t>09/11/2016</a:t>
+              <a:t>10/11/2016</a:t>
             </a:fld>
             <a:endParaRPr lang="pt-BR"/>
           </a:p>
@@ -470,13 +470,18 @@
               <a:pPr>
                 <a:defRPr/>
               </a:pPr>
-              <a:t>‹#›</a:t>
+              <a:t>‹nº›</a:t>
             </a:fld>
             <a:endParaRPr lang="pt-BR"/>
           </a:p>
         </p:txBody>
       </p:sp>
     </p:spTree>
+    <p:extLst>
+      <p:ext uri="{BB962C8B-B14F-4D97-AF65-F5344CB8AC3E}">
+        <p14:creationId xmlns:p14="http://schemas.microsoft.com/office/powerpoint/2010/main" val="2161894043"/>
+      </p:ext>
+    </p:extLst>
   </p:cSld>
   <p:clrMap bg1="lt1" tx1="dk1" bg2="lt2" tx2="dk2" accent1="accent1" accent2="accent2" accent3="accent3" accent4="accent4" accent5="accent5" accent6="accent6" hlink="hlink" folHlink="folHlink"/>
   <p:notesStyle>
@@ -923,7 +928,7 @@
               <a:pPr>
                 <a:defRPr/>
               </a:pPr>
-              <a:t>09/11/2016</a:t>
+              <a:t>10/11/2016</a:t>
             </a:fld>
             <a:endParaRPr lang="pt-BR"/>
           </a:p>
@@ -982,7 +987,7 @@
               <a:pPr>
                 <a:defRPr/>
               </a:pPr>
-              <a:t>‹#›</a:t>
+              <a:t>‹nº›</a:t>
             </a:fld>
             <a:endParaRPr lang="pt-BR"/>
           </a:p>
@@ -1293,7 +1298,7 @@
               <a:pPr>
                 <a:defRPr/>
               </a:pPr>
-              <a:t>09/11/2016</a:t>
+              <a:t>10/11/2016</a:t>
             </a:fld>
             <a:endParaRPr lang="pt-BR"/>
           </a:p>
@@ -1352,7 +1357,7 @@
               <a:pPr>
                 <a:defRPr/>
               </a:pPr>
-              <a:t>‹#›</a:t>
+              <a:t>‹nº›</a:t>
             </a:fld>
             <a:endParaRPr lang="pt-BR"/>
           </a:p>
@@ -1495,7 +1500,7 @@
               <a:pPr>
                 <a:defRPr/>
               </a:pPr>
-              <a:t>09/11/2016</a:t>
+              <a:t>10/11/2016</a:t>
             </a:fld>
             <a:endParaRPr lang="pt-BR"/>
           </a:p>
@@ -1554,7 +1559,7 @@
               <a:pPr>
                 <a:defRPr/>
               </a:pPr>
-              <a:t>‹#›</a:t>
+              <a:t>‹nº›</a:t>
             </a:fld>
             <a:endParaRPr lang="pt-BR"/>
           </a:p>
@@ -1759,7 +1764,7 @@
               <a:pPr>
                 <a:defRPr/>
               </a:pPr>
-              <a:t>09/11/2016</a:t>
+              <a:t>10/11/2016</a:t>
             </a:fld>
             <a:endParaRPr lang="pt-BR"/>
           </a:p>
@@ -1818,7 +1823,7 @@
               <a:pPr>
                 <a:defRPr/>
               </a:pPr>
-              <a:t>‹#›</a:t>
+              <a:t>‹nº›</a:t>
             </a:fld>
             <a:endParaRPr lang="pt-BR"/>
           </a:p>
@@ -1951,7 +1956,7 @@
               <a:pPr>
                 <a:defRPr/>
               </a:pPr>
-              <a:t>09/11/2016</a:t>
+              <a:t>10/11/2016</a:t>
             </a:fld>
             <a:endParaRPr lang="pt-BR"/>
           </a:p>
@@ -2010,7 +2015,7 @@
               <a:pPr>
                 <a:defRPr/>
               </a:pPr>
-              <a:t>‹#›</a:t>
+              <a:t>‹nº›</a:t>
             </a:fld>
             <a:endParaRPr lang="pt-BR"/>
           </a:p>
@@ -2219,7 +2224,7 @@
               <a:pPr>
                 <a:defRPr/>
               </a:pPr>
-              <a:t>09/11/2016</a:t>
+              <a:t>10/11/2016</a:t>
             </a:fld>
             <a:endParaRPr lang="pt-BR"/>
           </a:p>
@@ -2278,7 +2283,7 @@
               <a:pPr>
                 <a:defRPr/>
               </a:pPr>
-              <a:t>‹#›</a:t>
+              <a:t>‹nº›</a:t>
             </a:fld>
             <a:endParaRPr lang="pt-BR"/>
           </a:p>
@@ -2529,7 +2534,7 @@
               <a:pPr>
                 <a:defRPr/>
               </a:pPr>
-              <a:t>09/11/2016</a:t>
+              <a:t>10/11/2016</a:t>
             </a:fld>
             <a:endParaRPr lang="pt-BR"/>
           </a:p>
@@ -2588,7 +2593,7 @@
               <a:pPr>
                 <a:defRPr/>
               </a:pPr>
-              <a:t>‹#›</a:t>
+              <a:t>‹nº›</a:t>
             </a:fld>
             <a:endParaRPr lang="pt-BR"/>
           </a:p>
@@ -2973,7 +2978,7 @@
               <a:pPr>
                 <a:defRPr/>
               </a:pPr>
-              <a:t>09/11/2016</a:t>
+              <a:t>10/11/2016</a:t>
             </a:fld>
             <a:endParaRPr lang="pt-BR"/>
           </a:p>
@@ -3032,7 +3037,7 @@
               <a:pPr>
                 <a:defRPr/>
               </a:pPr>
-              <a:t>‹#›</a:t>
+              <a:t>‹nº›</a:t>
             </a:fld>
             <a:endParaRPr lang="pt-BR"/>
           </a:p>
@@ -3113,7 +3118,7 @@
               <a:pPr>
                 <a:defRPr/>
               </a:pPr>
-              <a:t>09/11/2016</a:t>
+              <a:t>10/11/2016</a:t>
             </a:fld>
             <a:endParaRPr lang="pt-BR"/>
           </a:p>
@@ -3172,7 +3177,7 @@
               <a:pPr>
                 <a:defRPr/>
               </a:pPr>
-              <a:t>‹#›</a:t>
+              <a:t>‹nº›</a:t>
             </a:fld>
             <a:endParaRPr lang="pt-BR"/>
           </a:p>
@@ -3230,7 +3235,7 @@
               <a:pPr>
                 <a:defRPr/>
               </a:pPr>
-              <a:t>09/11/2016</a:t>
+              <a:t>10/11/2016</a:t>
             </a:fld>
             <a:endParaRPr lang="pt-BR"/>
           </a:p>
@@ -3289,7 +3294,7 @@
               <a:pPr>
                 <a:defRPr/>
               </a:pPr>
-              <a:t>‹#›</a:t>
+              <a:t>‹nº›</a:t>
             </a:fld>
             <a:endParaRPr lang="pt-BR"/>
           </a:p>
@@ -3422,7 +3427,7 @@
               <a:pPr>
                 <a:defRPr/>
               </a:pPr>
-              <a:t>09/11/2016</a:t>
+              <a:t>10/11/2016</a:t>
             </a:fld>
             <a:endParaRPr lang="pt-BR"/>
           </a:p>
@@ -3481,7 +3486,7 @@
               <a:pPr>
                 <a:defRPr/>
               </a:pPr>
-              <a:t>‹#›</a:t>
+              <a:t>‹nº›</a:t>
             </a:fld>
             <a:endParaRPr lang="pt-BR"/>
           </a:p>
@@ -3721,7 +3726,7 @@
               <a:pPr>
                 <a:defRPr/>
               </a:pPr>
-              <a:t>09/11/2016</a:t>
+              <a:t>10/11/2016</a:t>
             </a:fld>
             <a:endParaRPr lang="pt-BR"/>
           </a:p>
@@ -3780,7 +3785,7 @@
               <a:pPr>
                 <a:defRPr/>
               </a:pPr>
-              <a:t>‹#›</a:t>
+              <a:t>‹nº›</a:t>
             </a:fld>
             <a:endParaRPr lang="pt-BR"/>
           </a:p>
@@ -3999,7 +4004,7 @@
               <a:pPr>
                 <a:defRPr/>
               </a:pPr>
-              <a:t>09/11/2016</a:t>
+              <a:t>10/11/2016</a:t>
             </a:fld>
             <a:endParaRPr lang="pt-BR"/>
           </a:p>
@@ -4058,7 +4063,7 @@
               <a:pPr>
                 <a:defRPr/>
               </a:pPr>
-              <a:t>‹#›</a:t>
+              <a:t>‹nº›</a:t>
             </a:fld>
             <a:endParaRPr lang="pt-BR"/>
           </a:p>
@@ -4191,7 +4196,7 @@
               <a:pPr>
                 <a:defRPr/>
               </a:pPr>
-              <a:t>09/11/2016</a:t>
+              <a:t>10/11/2016</a:t>
             </a:fld>
             <a:endParaRPr lang="pt-BR"/>
           </a:p>
@@ -4250,7 +4255,7 @@
               <a:pPr>
                 <a:defRPr/>
               </a:pPr>
-              <a:t>‹#›</a:t>
+              <a:t>‹nº›</a:t>
             </a:fld>
             <a:endParaRPr lang="pt-BR"/>
           </a:p>
@@ -4393,7 +4398,7 @@
               <a:pPr>
                 <a:defRPr/>
               </a:pPr>
-              <a:t>09/11/2016</a:t>
+              <a:t>10/11/2016</a:t>
             </a:fld>
             <a:endParaRPr lang="pt-BR"/>
           </a:p>
@@ -4452,7 +4457,7 @@
               <a:pPr>
                 <a:defRPr/>
               </a:pPr>
-              <a:t>‹#›</a:t>
+              <a:t>‹nº›</a:t>
             </a:fld>
             <a:endParaRPr lang="pt-BR"/>
           </a:p>
@@ -4661,7 +4666,7 @@
               <a:pPr>
                 <a:defRPr/>
               </a:pPr>
-              <a:t>09/11/2016</a:t>
+              <a:t>10/11/2016</a:t>
             </a:fld>
             <a:endParaRPr lang="pt-BR"/>
           </a:p>
@@ -4720,7 +4725,7 @@
               <a:pPr>
                 <a:defRPr/>
               </a:pPr>
-              <a:t>‹#›</a:t>
+              <a:t>‹nº›</a:t>
             </a:fld>
             <a:endParaRPr lang="pt-BR"/>
           </a:p>
@@ -4971,7 +4976,7 @@
               <a:pPr>
                 <a:defRPr/>
               </a:pPr>
-              <a:t>09/11/2016</a:t>
+              <a:t>10/11/2016</a:t>
             </a:fld>
             <a:endParaRPr lang="pt-BR"/>
           </a:p>
@@ -5030,7 +5035,7 @@
               <a:pPr>
                 <a:defRPr/>
               </a:pPr>
-              <a:t>‹#›</a:t>
+              <a:t>‹nº›</a:t>
             </a:fld>
             <a:endParaRPr lang="pt-BR"/>
           </a:p>
@@ -5415,7 +5420,7 @@
               <a:pPr>
                 <a:defRPr/>
               </a:pPr>
-              <a:t>09/11/2016</a:t>
+              <a:t>10/11/2016</a:t>
             </a:fld>
             <a:endParaRPr lang="pt-BR"/>
           </a:p>
@@ -5474,7 +5479,7 @@
               <a:pPr>
                 <a:defRPr/>
               </a:pPr>
-              <a:t>‹#›</a:t>
+              <a:t>‹nº›</a:t>
             </a:fld>
             <a:endParaRPr lang="pt-BR"/>
           </a:p>
@@ -5555,7 +5560,7 @@
               <a:pPr>
                 <a:defRPr/>
               </a:pPr>
-              <a:t>09/11/2016</a:t>
+              <a:t>10/11/2016</a:t>
             </a:fld>
             <a:endParaRPr lang="pt-BR"/>
           </a:p>
@@ -5614,7 +5619,7 @@
               <a:pPr>
                 <a:defRPr/>
               </a:pPr>
-              <a:t>‹#›</a:t>
+              <a:t>‹nº›</a:t>
             </a:fld>
             <a:endParaRPr lang="pt-BR"/>
           </a:p>
@@ -5672,7 +5677,7 @@
               <a:pPr>
                 <a:defRPr/>
               </a:pPr>
-              <a:t>09/11/2016</a:t>
+              <a:t>10/11/2016</a:t>
             </a:fld>
             <a:endParaRPr lang="pt-BR"/>
           </a:p>
@@ -5731,7 +5736,7 @@
               <a:pPr>
                 <a:defRPr/>
               </a:pPr>
-              <a:t>‹#›</a:t>
+              <a:t>‹nº›</a:t>
             </a:fld>
             <a:endParaRPr lang="pt-BR"/>
           </a:p>
@@ -5971,7 +5976,7 @@
               <a:pPr>
                 <a:defRPr/>
               </a:pPr>
-              <a:t>09/11/2016</a:t>
+              <a:t>10/11/2016</a:t>
             </a:fld>
             <a:endParaRPr lang="pt-BR"/>
           </a:p>
@@ -6030,7 +6035,7 @@
               <a:pPr>
                 <a:defRPr/>
               </a:pPr>
-              <a:t>‹#›</a:t>
+              <a:t>‹nº›</a:t>
             </a:fld>
             <a:endParaRPr lang="pt-BR"/>
           </a:p>
@@ -6278,7 +6283,7 @@
               <a:pPr>
                 <a:defRPr/>
               </a:pPr>
-              <a:t>09/11/2016</a:t>
+              <a:t>10/11/2016</a:t>
             </a:fld>
             <a:endParaRPr lang="pt-BR"/>
           </a:p>
@@ -6337,7 +6342,7 @@
               <a:pPr>
                 <a:defRPr/>
               </a:pPr>
-              <a:t>‹#›</a:t>
+              <a:t>‹nº›</a:t>
             </a:fld>
             <a:endParaRPr lang="pt-BR"/>
           </a:p>
@@ -6534,7 +6539,7 @@
               <a:pPr>
                 <a:defRPr/>
               </a:pPr>
-              <a:t>09/11/2016</a:t>
+              <a:t>10/11/2016</a:t>
             </a:fld>
             <a:endParaRPr lang="pt-BR"/>
           </a:p>
@@ -6637,7 +6642,7 @@
               <a:pPr>
                 <a:defRPr/>
               </a:pPr>
-              <a:t>‹#›</a:t>
+              <a:t>‹nº›</a:t>
             </a:fld>
             <a:endParaRPr lang="pt-BR"/>
           </a:p>
@@ -7283,7 +7288,7 @@
               <a:pPr>
                 <a:defRPr/>
               </a:pPr>
-              <a:t>09/11/2016</a:t>
+              <a:t>10/11/2016</a:t>
             </a:fld>
             <a:endParaRPr lang="pt-BR"/>
           </a:p>
@@ -7370,7 +7375,7 @@
               <a:pPr>
                 <a:defRPr/>
               </a:pPr>
-              <a:t>‹#›</a:t>
+              <a:t>‹nº›</a:t>
             </a:fld>
             <a:endParaRPr lang="pt-BR"/>
           </a:p>
@@ -9172,22 +9177,9 @@
             <a:pPr lvl="2"/>
             <a:r>
               <a:rPr lang="pt-BR" sz="2000" dirty="0" smtClean="0"/>
-              <a:t>Hub</a:t>
-            </a:r>
-          </a:p>
-          <a:p>
-            <a:pPr lvl="2"/>
-            <a:r>
-              <a:rPr lang="pt-BR" sz="2000" dirty="0" smtClean="0"/>
-              <a:t>Quadros podem colidir</a:t>
-            </a:r>
-          </a:p>
-          <a:p>
-            <a:pPr lvl="2"/>
-            <a:r>
-              <a:rPr lang="pt-BR" sz="2000" dirty="0" smtClean="0"/>
-              <a:t>Experimente Wireshak no modo promiscuo em uma rede com hub</a:t>
-            </a:r>
+              <a:t>Ethernet 10Base2</a:t>
+            </a:r>
+            <a:endParaRPr lang="pt-BR" sz="2000" dirty="0" smtClean="0"/>
           </a:p>
           <a:p>
             <a:pPr lvl="1"/>
@@ -9195,6 +9187,7 @@
               <a:rPr lang="pt-BR" sz="2400" dirty="0" smtClean="0"/>
               <a:t>Estrela</a:t>
             </a:r>
+            <a:endParaRPr lang="pt-BR" sz="2400" dirty="0" smtClean="0"/>
           </a:p>
           <a:p>
             <a:pPr lvl="2"/>
@@ -9202,6 +9195,14 @@
               <a:rPr lang="pt-BR" sz="2000" dirty="0" smtClean="0"/>
               <a:t>Switch</a:t>
             </a:r>
+          </a:p>
+          <a:p>
+            <a:pPr lvl="2"/>
+            <a:r>
+              <a:rPr lang="pt-BR" sz="2000" dirty="0"/>
+              <a:t>Hub</a:t>
+            </a:r>
+            <a:endParaRPr lang="pt-BR" sz="2000" dirty="0" smtClean="0"/>
           </a:p>
           <a:p>
             <a:r>
@@ -10314,8 +10315,9 @@
             <a:pPr lvl="1"/>
             <a:r>
               <a:rPr lang="pt-BR" dirty="0" smtClean="0"/>
-              <a:t>Barramento </a:t>
-            </a:r>
+              <a:t>Broadcast</a:t>
+            </a:r>
+            <a:endParaRPr lang="pt-BR" dirty="0" smtClean="0"/>
           </a:p>
           <a:p>
             <a:pPr lvl="1"/>
@@ -10447,6 +10449,144 @@
         </p:nvSpPr>
         <p:spPr>
           <a:xfrm>
+            <a:off x="467544" y="1484784"/>
+            <a:ext cx="8229600" cy="4525963"/>
+          </a:xfrm>
+        </p:spPr>
+        <p:txBody>
+          <a:bodyPr/>
+          <a:lstStyle/>
+          <a:p>
+            <a:r>
+              <a:rPr lang="pt-BR" dirty="0" smtClean="0"/>
+              <a:t>Repetidores</a:t>
+            </a:r>
+          </a:p>
+          <a:p>
+            <a:pPr lvl="1"/>
+            <a:r>
+              <a:rPr lang="pt-BR" dirty="0" smtClean="0"/>
+              <a:t>Aumentam a força do sinal</a:t>
+            </a:r>
+          </a:p>
+          <a:p>
+            <a:pPr lvl="1"/>
+            <a:r>
+              <a:rPr lang="pt-BR" dirty="0" smtClean="0"/>
+              <a:t>Aumentam alcance da rede</a:t>
+            </a:r>
+          </a:p>
+          <a:p>
+            <a:r>
+              <a:rPr lang="pt-BR" dirty="0" smtClean="0"/>
+              <a:t>Pontes</a:t>
+            </a:r>
+          </a:p>
+          <a:p>
+            <a:pPr lvl="1"/>
+            <a:r>
+              <a:rPr lang="pt-BR" dirty="0" smtClean="0"/>
+              <a:t>Repetidor especial</a:t>
+            </a:r>
+          </a:p>
+          <a:p>
+            <a:pPr lvl="1"/>
+            <a:r>
+              <a:rPr lang="pt-BR" dirty="0" smtClean="0"/>
+              <a:t>Interconectam redes locais</a:t>
+            </a:r>
+          </a:p>
+          <a:p>
+            <a:pPr lvl="1"/>
+            <a:r>
+              <a:rPr lang="pt-BR" dirty="0" smtClean="0"/>
+              <a:t>Evita que uma rede congestione a outra</a:t>
+            </a:r>
+          </a:p>
+          <a:p>
+            <a:pPr lvl="2"/>
+            <a:r>
+              <a:rPr lang="pt-BR" dirty="0" smtClean="0"/>
+              <a:t>Só deixa passar quando o destino está do outro lado</a:t>
+            </a:r>
+          </a:p>
+          <a:p>
+            <a:pPr lvl="1"/>
+            <a:r>
+              <a:rPr lang="pt-BR" dirty="0" smtClean="0"/>
+              <a:t>Ex: maquina virtual usando internet da máquina real</a:t>
+            </a:r>
+            <a:endParaRPr lang="pt-BR" dirty="0"/>
+          </a:p>
+        </p:txBody>
+      </p:sp>
+    </p:spTree>
+  </p:cSld>
+  <p:clrMapOvr>
+    <a:masterClrMapping/>
+  </p:clrMapOvr>
+  <p:timing>
+    <p:tnLst>
+      <p:par>
+        <p:cTn id="1" dur="indefinite" restart="never" nodeType="tmRoot"/>
+      </p:par>
+    </p:tnLst>
+  </p:timing>
+</p:sld>
+</file>
+
+<file path=ppt/slides/slide23.xml><?xml version="1.0" encoding="utf-8"?>
+<p:sld xmlns:a="http://schemas.openxmlformats.org/drawingml/2006/main" xmlns:r="http://schemas.openxmlformats.org/officeDocument/2006/relationships" xmlns:p="http://schemas.openxmlformats.org/presentationml/2006/main">
+  <p:cSld>
+    <p:spTree>
+      <p:nvGrpSpPr>
+        <p:cNvPr id="1" name=""/>
+        <p:cNvGrpSpPr/>
+        <p:nvPr/>
+      </p:nvGrpSpPr>
+      <p:grpSpPr>
+        <a:xfrm>
+          <a:off x="0" y="0"/>
+          <a:ext cx="0" cy="0"/>
+          <a:chOff x="0" y="0"/>
+          <a:chExt cx="0" cy="0"/>
+        </a:xfrm>
+      </p:grpSpPr>
+      <p:sp>
+        <p:nvSpPr>
+          <p:cNvPr id="2" name="Title 1"/>
+          <p:cNvSpPr>
+            <a:spLocks noGrp="1"/>
+          </p:cNvSpPr>
+          <p:nvPr>
+            <p:ph type="title"/>
+          </p:nvPr>
+        </p:nvSpPr>
+        <p:spPr/>
+        <p:txBody>
+          <a:bodyPr/>
+          <a:lstStyle/>
+          <a:p>
+            <a:r>
+              <a:rPr lang="pt-BR" dirty="0" smtClean="0"/>
+              <a:t>Equipamentos</a:t>
+            </a:r>
+            <a:endParaRPr lang="pt-BR" dirty="0"/>
+          </a:p>
+        </p:txBody>
+      </p:sp>
+      <p:sp>
+        <p:nvSpPr>
+          <p:cNvPr id="3" name="Content Placeholder 2"/>
+          <p:cNvSpPr>
+            <a:spLocks noGrp="1"/>
+          </p:cNvSpPr>
+          <p:nvPr>
+            <p:ph idx="1"/>
+          </p:nvPr>
+        </p:nvSpPr>
+        <p:spPr>
+          <a:xfrm>
             <a:off x="323528" y="1340768"/>
             <a:ext cx="5698976" cy="4525963"/>
           </a:xfrm>
@@ -10552,7 +10692,7 @@
 </p:sld>
 </file>
 
-<file path=ppt/slides/slide23.xml><?xml version="1.0" encoding="utf-8"?>
+<file path=ppt/slides/slide24.xml><?xml version="1.0" encoding="utf-8"?>
 <p:sld xmlns:a="http://schemas.openxmlformats.org/drawingml/2006/main" xmlns:r="http://schemas.openxmlformats.org/officeDocument/2006/relationships" xmlns:p="http://schemas.openxmlformats.org/presentationml/2006/main">
   <p:cSld>
     <p:spTree>
@@ -10658,7 +10798,7 @@
 </p:sld>
 </file>
 
-<file path=ppt/slides/slide24.xml><?xml version="1.0" encoding="utf-8"?>
+<file path=ppt/slides/slide25.xml><?xml version="1.0" encoding="utf-8"?>
 <p:sld xmlns:a="http://schemas.openxmlformats.org/drawingml/2006/main" xmlns:r="http://schemas.openxmlformats.org/officeDocument/2006/relationships" xmlns:p="http://schemas.openxmlformats.org/presentationml/2006/main">
   <p:cSld>
     <p:spTree>
@@ -10781,144 +10921,6 @@
           </a:ln>
         </p:spPr>
       </p:pic>
-    </p:spTree>
-  </p:cSld>
-  <p:clrMapOvr>
-    <a:masterClrMapping/>
-  </p:clrMapOvr>
-  <p:timing>
-    <p:tnLst>
-      <p:par>
-        <p:cTn id="1" dur="indefinite" restart="never" nodeType="tmRoot"/>
-      </p:par>
-    </p:tnLst>
-  </p:timing>
-</p:sld>
-</file>
-
-<file path=ppt/slides/slide25.xml><?xml version="1.0" encoding="utf-8"?>
-<p:sld xmlns:a="http://schemas.openxmlformats.org/drawingml/2006/main" xmlns:r="http://schemas.openxmlformats.org/officeDocument/2006/relationships" xmlns:p="http://schemas.openxmlformats.org/presentationml/2006/main">
-  <p:cSld>
-    <p:spTree>
-      <p:nvGrpSpPr>
-        <p:cNvPr id="1" name=""/>
-        <p:cNvGrpSpPr/>
-        <p:nvPr/>
-      </p:nvGrpSpPr>
-      <p:grpSpPr>
-        <a:xfrm>
-          <a:off x="0" y="0"/>
-          <a:ext cx="0" cy="0"/>
-          <a:chOff x="0" y="0"/>
-          <a:chExt cx="0" cy="0"/>
-        </a:xfrm>
-      </p:grpSpPr>
-      <p:sp>
-        <p:nvSpPr>
-          <p:cNvPr id="2" name="Title 1"/>
-          <p:cNvSpPr>
-            <a:spLocks noGrp="1"/>
-          </p:cNvSpPr>
-          <p:nvPr>
-            <p:ph type="title"/>
-          </p:nvPr>
-        </p:nvSpPr>
-        <p:spPr/>
-        <p:txBody>
-          <a:bodyPr/>
-          <a:lstStyle/>
-          <a:p>
-            <a:r>
-              <a:rPr lang="pt-BR" dirty="0" smtClean="0"/>
-              <a:t>Equipamentos</a:t>
-            </a:r>
-            <a:endParaRPr lang="pt-BR" dirty="0"/>
-          </a:p>
-        </p:txBody>
-      </p:sp>
-      <p:sp>
-        <p:nvSpPr>
-          <p:cNvPr id="3" name="Content Placeholder 2"/>
-          <p:cNvSpPr>
-            <a:spLocks noGrp="1"/>
-          </p:cNvSpPr>
-          <p:nvPr>
-            <p:ph idx="1"/>
-          </p:nvPr>
-        </p:nvSpPr>
-        <p:spPr>
-          <a:xfrm>
-            <a:off x="467544" y="1484784"/>
-            <a:ext cx="8229600" cy="4525963"/>
-          </a:xfrm>
-        </p:spPr>
-        <p:txBody>
-          <a:bodyPr/>
-          <a:lstStyle/>
-          <a:p>
-            <a:r>
-              <a:rPr lang="pt-BR" dirty="0" smtClean="0"/>
-              <a:t>Repetidores</a:t>
-            </a:r>
-          </a:p>
-          <a:p>
-            <a:pPr lvl="1"/>
-            <a:r>
-              <a:rPr lang="pt-BR" dirty="0" smtClean="0"/>
-              <a:t>Aumentam a força do sinal</a:t>
-            </a:r>
-          </a:p>
-          <a:p>
-            <a:pPr lvl="1"/>
-            <a:r>
-              <a:rPr lang="pt-BR" dirty="0" smtClean="0"/>
-              <a:t>Aumentam alcance da rede</a:t>
-            </a:r>
-          </a:p>
-          <a:p>
-            <a:r>
-              <a:rPr lang="pt-BR" dirty="0" smtClean="0"/>
-              <a:t>Pontes</a:t>
-            </a:r>
-          </a:p>
-          <a:p>
-            <a:pPr lvl="1"/>
-            <a:r>
-              <a:rPr lang="pt-BR" dirty="0" smtClean="0"/>
-              <a:t>Repetidor especial</a:t>
-            </a:r>
-          </a:p>
-          <a:p>
-            <a:pPr lvl="1"/>
-            <a:r>
-              <a:rPr lang="pt-BR" dirty="0" smtClean="0"/>
-              <a:t>Interconectam redes locais</a:t>
-            </a:r>
-          </a:p>
-          <a:p>
-            <a:pPr lvl="1"/>
-            <a:r>
-              <a:rPr lang="pt-BR" dirty="0" smtClean="0"/>
-              <a:t>Evita que uma rede congestione a outra</a:t>
-            </a:r>
-          </a:p>
-          <a:p>
-            <a:pPr lvl="2"/>
-            <a:r>
-              <a:rPr lang="pt-BR" dirty="0" smtClean="0"/>
-              <a:t>Só deixa passar quando o destino está do outro lado</a:t>
-            </a:r>
-          </a:p>
-          <a:p>
-            <a:pPr lvl="1"/>
-            <a:r>
-              <a:rPr lang="pt-BR" dirty="0" smtClean="0"/>
-              <a:t>Ex: maquina virtual usando internet da máquina real</a:t>
-            </a:r>
-            <a:endParaRPr lang="pt-BR" dirty="0"/>
-          </a:p>
-        </p:txBody>
-      </p:sp>
     </p:spTree>
   </p:cSld>
   <p:clrMapOvr>
@@ -11473,11 +11475,7 @@
             <a:pPr lvl="1"/>
             <a:r>
               <a:rPr lang="pt-BR" sz="2400" dirty="0" smtClean="0"/>
-              <a:t>Banda-larga:  múltiplos canais no cabo HFC (hibrid fibercoaxial</a:t>
-            </a:r>
-            <a:r>
-              <a:rPr lang="pt-BR" sz="2400" dirty="0" smtClean="0"/>
-              <a:t>)</a:t>
+              <a:t>Banda-larga:  múltiplos canais no cabo HFC (hibrid fibercoaxial)</a:t>
             </a:r>
           </a:p>
           <a:p>
@@ -11491,11 +11489,7 @@
             <a:pPr lvl="2"/>
             <a:r>
               <a:rPr lang="pt-BR" sz="2000" dirty="0" smtClean="0"/>
-              <a:t>um fio de cobre </a:t>
-            </a:r>
-            <a:r>
-              <a:rPr lang="pt-BR" sz="2000" dirty="0" smtClean="0"/>
-              <a:t>no centro</a:t>
+              <a:t>um fio de cobre no centro</a:t>
             </a:r>
           </a:p>
           <a:p>
@@ -12184,11 +12178,7 @@
             <a:pPr lvl="1"/>
             <a:r>
               <a:rPr lang="pt-BR" sz="2000" dirty="0" smtClean="0"/>
-              <a:t>https://www.google.com.br/url?sa=t&amp;rct=j&amp;q=&amp;</a:t>
-            </a:r>
-            <a:r>
-              <a:rPr lang="pt-BR" sz="2000" dirty="0" smtClean="0"/>
-              <a:t>esrc=s&amp;source=web&amp;cd=1&amp;cad=rja&amp;uact=8&amp;ved=0ahUKEwj6wOWYkJzQAhXLIpAKHTO5BcUQFggbMAA&amp;url=http%3A%2F%2Fwww.othonbatista.com%2Farquivos%2Fredes%2Faulas%2Fredes-kurose-capitulo5.pdf&amp;usg=AFQjCNH2ylsBZFmQV-7FL2Omkl3fNj8iXw</a:t>
+              <a:t>https://www.google.com.br/url?sa=t&amp;rct=j&amp;q=&amp;esrc=s&amp;source=web&amp;cd=1&amp;cad=rja&amp;uact=8&amp;ved=0ahUKEwj6wOWYkJzQAhXLIpAKHTO5BcUQFggbMAA&amp;url=http%3A%2F%2Fwww.othonbatista.com%2Farquivos%2Fredes%2Faulas%2Fredes-kurose-capitulo5.pdf&amp;usg=AFQjCNH2ylsBZFmQV-7FL2Omkl3fNj8iXw</a:t>
             </a:r>
           </a:p>
           <a:p>
@@ -12715,6 +12705,13 @@
             <a:r>
               <a:rPr lang="pt-BR" dirty="0" smtClean="0"/>
               <a:t>Satélite</a:t>
+            </a:r>
+          </a:p>
+          <a:p>
+            <a:pPr lvl="1"/>
+            <a:r>
+              <a:rPr lang="pt-BR" dirty="0" smtClean="0"/>
+              <a:t>Ethernet com hub/ponte</a:t>
             </a:r>
             <a:endParaRPr lang="pt-BR" dirty="0"/>
           </a:p>

--- a/Presentations/Aula11-Enlace-Cabeado/11-Enlace-Cabeado.pptx
+++ b/Presentations/Aula11-Enlace-Cabeado/11-Enlace-Cabeado.pptx
@@ -281,7 +281,7 @@
               <a:pPr>
                 <a:defRPr/>
               </a:pPr>
-              <a:t>10/11/2016</a:t>
+              <a:t>29/10/2017</a:t>
             </a:fld>
             <a:endParaRPr lang="pt-BR"/>
           </a:p>
@@ -470,7 +470,7 @@
               <a:pPr>
                 <a:defRPr/>
               </a:pPr>
-              <a:t>‹nº›</a:t>
+              <a:t>‹#›</a:t>
             </a:fld>
             <a:endParaRPr lang="pt-BR"/>
           </a:p>
@@ -479,7 +479,7 @@
     </p:spTree>
     <p:extLst>
       <p:ext uri="{BB962C8B-B14F-4D97-AF65-F5344CB8AC3E}">
-        <p14:creationId xmlns:p14="http://schemas.microsoft.com/office/powerpoint/2010/main" val="2161894043"/>
+        <p14:creationId xmlns:p14="http://schemas.microsoft.com/office/powerpoint/2010/main" xmlns="" val="2161894043"/>
       </p:ext>
     </p:extLst>
   </p:cSld>
@@ -928,7 +928,7 @@
               <a:pPr>
                 <a:defRPr/>
               </a:pPr>
-              <a:t>10/11/2016</a:t>
+              <a:t>29/10/2017</a:t>
             </a:fld>
             <a:endParaRPr lang="pt-BR"/>
           </a:p>
@@ -987,7 +987,7 @@
               <a:pPr>
                 <a:defRPr/>
               </a:pPr>
-              <a:t>‹nº›</a:t>
+              <a:t>‹#›</a:t>
             </a:fld>
             <a:endParaRPr lang="pt-BR"/>
           </a:p>
@@ -1298,7 +1298,7 @@
               <a:pPr>
                 <a:defRPr/>
               </a:pPr>
-              <a:t>10/11/2016</a:t>
+              <a:t>29/10/2017</a:t>
             </a:fld>
             <a:endParaRPr lang="pt-BR"/>
           </a:p>
@@ -1357,7 +1357,7 @@
               <a:pPr>
                 <a:defRPr/>
               </a:pPr>
-              <a:t>‹nº›</a:t>
+              <a:t>‹#›</a:t>
             </a:fld>
             <a:endParaRPr lang="pt-BR"/>
           </a:p>
@@ -1500,7 +1500,7 @@
               <a:pPr>
                 <a:defRPr/>
               </a:pPr>
-              <a:t>10/11/2016</a:t>
+              <a:t>29/10/2017</a:t>
             </a:fld>
             <a:endParaRPr lang="pt-BR"/>
           </a:p>
@@ -1559,7 +1559,7 @@
               <a:pPr>
                 <a:defRPr/>
               </a:pPr>
-              <a:t>‹nº›</a:t>
+              <a:t>‹#›</a:t>
             </a:fld>
             <a:endParaRPr lang="pt-BR"/>
           </a:p>
@@ -1764,7 +1764,7 @@
               <a:pPr>
                 <a:defRPr/>
               </a:pPr>
-              <a:t>10/11/2016</a:t>
+              <a:t>29/10/2017</a:t>
             </a:fld>
             <a:endParaRPr lang="pt-BR"/>
           </a:p>
@@ -1823,7 +1823,7 @@
               <a:pPr>
                 <a:defRPr/>
               </a:pPr>
-              <a:t>‹nº›</a:t>
+              <a:t>‹#›</a:t>
             </a:fld>
             <a:endParaRPr lang="pt-BR"/>
           </a:p>
@@ -1956,7 +1956,7 @@
               <a:pPr>
                 <a:defRPr/>
               </a:pPr>
-              <a:t>10/11/2016</a:t>
+              <a:t>29/10/2017</a:t>
             </a:fld>
             <a:endParaRPr lang="pt-BR"/>
           </a:p>
@@ -2015,7 +2015,7 @@
               <a:pPr>
                 <a:defRPr/>
               </a:pPr>
-              <a:t>‹nº›</a:t>
+              <a:t>‹#›</a:t>
             </a:fld>
             <a:endParaRPr lang="pt-BR"/>
           </a:p>
@@ -2224,7 +2224,7 @@
               <a:pPr>
                 <a:defRPr/>
               </a:pPr>
-              <a:t>10/11/2016</a:t>
+              <a:t>29/10/2017</a:t>
             </a:fld>
             <a:endParaRPr lang="pt-BR"/>
           </a:p>
@@ -2283,7 +2283,7 @@
               <a:pPr>
                 <a:defRPr/>
               </a:pPr>
-              <a:t>‹nº›</a:t>
+              <a:t>‹#›</a:t>
             </a:fld>
             <a:endParaRPr lang="pt-BR"/>
           </a:p>
@@ -2534,7 +2534,7 @@
               <a:pPr>
                 <a:defRPr/>
               </a:pPr>
-              <a:t>10/11/2016</a:t>
+              <a:t>29/10/2017</a:t>
             </a:fld>
             <a:endParaRPr lang="pt-BR"/>
           </a:p>
@@ -2593,7 +2593,7 @@
               <a:pPr>
                 <a:defRPr/>
               </a:pPr>
-              <a:t>‹nº›</a:t>
+              <a:t>‹#›</a:t>
             </a:fld>
             <a:endParaRPr lang="pt-BR"/>
           </a:p>
@@ -2978,7 +2978,7 @@
               <a:pPr>
                 <a:defRPr/>
               </a:pPr>
-              <a:t>10/11/2016</a:t>
+              <a:t>29/10/2017</a:t>
             </a:fld>
             <a:endParaRPr lang="pt-BR"/>
           </a:p>
@@ -3037,7 +3037,7 @@
               <a:pPr>
                 <a:defRPr/>
               </a:pPr>
-              <a:t>‹nº›</a:t>
+              <a:t>‹#›</a:t>
             </a:fld>
             <a:endParaRPr lang="pt-BR"/>
           </a:p>
@@ -3118,7 +3118,7 @@
               <a:pPr>
                 <a:defRPr/>
               </a:pPr>
-              <a:t>10/11/2016</a:t>
+              <a:t>29/10/2017</a:t>
             </a:fld>
             <a:endParaRPr lang="pt-BR"/>
           </a:p>
@@ -3177,7 +3177,7 @@
               <a:pPr>
                 <a:defRPr/>
               </a:pPr>
-              <a:t>‹nº›</a:t>
+              <a:t>‹#›</a:t>
             </a:fld>
             <a:endParaRPr lang="pt-BR"/>
           </a:p>
@@ -3235,7 +3235,7 @@
               <a:pPr>
                 <a:defRPr/>
               </a:pPr>
-              <a:t>10/11/2016</a:t>
+              <a:t>29/10/2017</a:t>
             </a:fld>
             <a:endParaRPr lang="pt-BR"/>
           </a:p>
@@ -3294,7 +3294,7 @@
               <a:pPr>
                 <a:defRPr/>
               </a:pPr>
-              <a:t>‹nº›</a:t>
+              <a:t>‹#›</a:t>
             </a:fld>
             <a:endParaRPr lang="pt-BR"/>
           </a:p>
@@ -3427,7 +3427,7 @@
               <a:pPr>
                 <a:defRPr/>
               </a:pPr>
-              <a:t>10/11/2016</a:t>
+              <a:t>29/10/2017</a:t>
             </a:fld>
             <a:endParaRPr lang="pt-BR"/>
           </a:p>
@@ -3486,7 +3486,7 @@
               <a:pPr>
                 <a:defRPr/>
               </a:pPr>
-              <a:t>‹nº›</a:t>
+              <a:t>‹#›</a:t>
             </a:fld>
             <a:endParaRPr lang="pt-BR"/>
           </a:p>
@@ -3726,7 +3726,7 @@
               <a:pPr>
                 <a:defRPr/>
               </a:pPr>
-              <a:t>10/11/2016</a:t>
+              <a:t>29/10/2017</a:t>
             </a:fld>
             <a:endParaRPr lang="pt-BR"/>
           </a:p>
@@ -3785,7 +3785,7 @@
               <a:pPr>
                 <a:defRPr/>
               </a:pPr>
-              <a:t>‹nº›</a:t>
+              <a:t>‹#›</a:t>
             </a:fld>
             <a:endParaRPr lang="pt-BR"/>
           </a:p>
@@ -4004,7 +4004,7 @@
               <a:pPr>
                 <a:defRPr/>
               </a:pPr>
-              <a:t>10/11/2016</a:t>
+              <a:t>29/10/2017</a:t>
             </a:fld>
             <a:endParaRPr lang="pt-BR"/>
           </a:p>
@@ -4063,7 +4063,7 @@
               <a:pPr>
                 <a:defRPr/>
               </a:pPr>
-              <a:t>‹nº›</a:t>
+              <a:t>‹#›</a:t>
             </a:fld>
             <a:endParaRPr lang="pt-BR"/>
           </a:p>
@@ -4196,7 +4196,7 @@
               <a:pPr>
                 <a:defRPr/>
               </a:pPr>
-              <a:t>10/11/2016</a:t>
+              <a:t>29/10/2017</a:t>
             </a:fld>
             <a:endParaRPr lang="pt-BR"/>
           </a:p>
@@ -4255,7 +4255,7 @@
               <a:pPr>
                 <a:defRPr/>
               </a:pPr>
-              <a:t>‹nº›</a:t>
+              <a:t>‹#›</a:t>
             </a:fld>
             <a:endParaRPr lang="pt-BR"/>
           </a:p>
@@ -4398,7 +4398,7 @@
               <a:pPr>
                 <a:defRPr/>
               </a:pPr>
-              <a:t>10/11/2016</a:t>
+              <a:t>29/10/2017</a:t>
             </a:fld>
             <a:endParaRPr lang="pt-BR"/>
           </a:p>
@@ -4457,7 +4457,7 @@
               <a:pPr>
                 <a:defRPr/>
               </a:pPr>
-              <a:t>‹nº›</a:t>
+              <a:t>‹#›</a:t>
             </a:fld>
             <a:endParaRPr lang="pt-BR"/>
           </a:p>
@@ -4666,7 +4666,7 @@
               <a:pPr>
                 <a:defRPr/>
               </a:pPr>
-              <a:t>10/11/2016</a:t>
+              <a:t>29/10/2017</a:t>
             </a:fld>
             <a:endParaRPr lang="pt-BR"/>
           </a:p>
@@ -4725,7 +4725,7 @@
               <a:pPr>
                 <a:defRPr/>
               </a:pPr>
-              <a:t>‹nº›</a:t>
+              <a:t>‹#›</a:t>
             </a:fld>
             <a:endParaRPr lang="pt-BR"/>
           </a:p>
@@ -4976,7 +4976,7 @@
               <a:pPr>
                 <a:defRPr/>
               </a:pPr>
-              <a:t>10/11/2016</a:t>
+              <a:t>29/10/2017</a:t>
             </a:fld>
             <a:endParaRPr lang="pt-BR"/>
           </a:p>
@@ -5035,7 +5035,7 @@
               <a:pPr>
                 <a:defRPr/>
               </a:pPr>
-              <a:t>‹nº›</a:t>
+              <a:t>‹#›</a:t>
             </a:fld>
             <a:endParaRPr lang="pt-BR"/>
           </a:p>
@@ -5420,7 +5420,7 @@
               <a:pPr>
                 <a:defRPr/>
               </a:pPr>
-              <a:t>10/11/2016</a:t>
+              <a:t>29/10/2017</a:t>
             </a:fld>
             <a:endParaRPr lang="pt-BR"/>
           </a:p>
@@ -5479,7 +5479,7 @@
               <a:pPr>
                 <a:defRPr/>
               </a:pPr>
-              <a:t>‹nº›</a:t>
+              <a:t>‹#›</a:t>
             </a:fld>
             <a:endParaRPr lang="pt-BR"/>
           </a:p>
@@ -5560,7 +5560,7 @@
               <a:pPr>
                 <a:defRPr/>
               </a:pPr>
-              <a:t>10/11/2016</a:t>
+              <a:t>29/10/2017</a:t>
             </a:fld>
             <a:endParaRPr lang="pt-BR"/>
           </a:p>
@@ -5619,7 +5619,7 @@
               <a:pPr>
                 <a:defRPr/>
               </a:pPr>
-              <a:t>‹nº›</a:t>
+              <a:t>‹#›</a:t>
             </a:fld>
             <a:endParaRPr lang="pt-BR"/>
           </a:p>
@@ -5677,7 +5677,7 @@
               <a:pPr>
                 <a:defRPr/>
               </a:pPr>
-              <a:t>10/11/2016</a:t>
+              <a:t>29/10/2017</a:t>
             </a:fld>
             <a:endParaRPr lang="pt-BR"/>
           </a:p>
@@ -5736,7 +5736,7 @@
               <a:pPr>
                 <a:defRPr/>
               </a:pPr>
-              <a:t>‹nº›</a:t>
+              <a:t>‹#›</a:t>
             </a:fld>
             <a:endParaRPr lang="pt-BR"/>
           </a:p>
@@ -5976,7 +5976,7 @@
               <a:pPr>
                 <a:defRPr/>
               </a:pPr>
-              <a:t>10/11/2016</a:t>
+              <a:t>29/10/2017</a:t>
             </a:fld>
             <a:endParaRPr lang="pt-BR"/>
           </a:p>
@@ -6035,7 +6035,7 @@
               <a:pPr>
                 <a:defRPr/>
               </a:pPr>
-              <a:t>‹nº›</a:t>
+              <a:t>‹#›</a:t>
             </a:fld>
             <a:endParaRPr lang="pt-BR"/>
           </a:p>
@@ -6283,7 +6283,7 @@
               <a:pPr>
                 <a:defRPr/>
               </a:pPr>
-              <a:t>10/11/2016</a:t>
+              <a:t>29/10/2017</a:t>
             </a:fld>
             <a:endParaRPr lang="pt-BR"/>
           </a:p>
@@ -6342,7 +6342,7 @@
               <a:pPr>
                 <a:defRPr/>
               </a:pPr>
-              <a:t>‹nº›</a:t>
+              <a:t>‹#›</a:t>
             </a:fld>
             <a:endParaRPr lang="pt-BR"/>
           </a:p>
@@ -6539,7 +6539,7 @@
               <a:pPr>
                 <a:defRPr/>
               </a:pPr>
-              <a:t>10/11/2016</a:t>
+              <a:t>29/10/2017</a:t>
             </a:fld>
             <a:endParaRPr lang="pt-BR"/>
           </a:p>
@@ -6642,7 +6642,7 @@
               <a:pPr>
                 <a:defRPr/>
               </a:pPr>
-              <a:t>‹nº›</a:t>
+              <a:t>‹#›</a:t>
             </a:fld>
             <a:endParaRPr lang="pt-BR"/>
           </a:p>
@@ -7288,7 +7288,7 @@
               <a:pPr>
                 <a:defRPr/>
               </a:pPr>
-              <a:t>10/11/2016</a:t>
+              <a:t>29/10/2017</a:t>
             </a:fld>
             <a:endParaRPr lang="pt-BR"/>
           </a:p>
@@ -7375,7 +7375,7 @@
               <a:pPr>
                 <a:defRPr/>
               </a:pPr>
-              <a:t>‹nº›</a:t>
+              <a:t>‹#›</a:t>
             </a:fld>
             <a:endParaRPr lang="pt-BR"/>
           </a:p>
@@ -7852,7 +7852,7 @@
                 <a:latin typeface="+mn-lt"/>
                 <a:cs typeface="Arial" pitchFamily="34" charset="0"/>
               </a:rPr>
-              <a:t>10 </a:t>
+              <a:t>30 </a:t>
             </a:r>
             <a:r>
               <a:rPr lang="pt-BR" sz="2200" b="1" dirty="0" smtClean="0">
@@ -7862,7 +7862,17 @@
                 <a:latin typeface="+mn-lt"/>
                 <a:cs typeface="Arial" pitchFamily="34" charset="0"/>
               </a:rPr>
-              <a:t>de novembro </a:t>
+              <a:t>de </a:t>
+            </a:r>
+            <a:r>
+              <a:rPr lang="pt-BR" sz="2200" b="1" dirty="0" smtClean="0">
+                <a:solidFill>
+                  <a:schemeClr val="accent1"/>
+                </a:solidFill>
+                <a:latin typeface="+mn-lt"/>
+                <a:cs typeface="Arial" pitchFamily="34" charset="0"/>
+              </a:rPr>
+              <a:t>outubro </a:t>
             </a:r>
             <a:r>
               <a:rPr lang="pt-BR" sz="2200" b="1" dirty="0">
@@ -7872,8 +7882,25 @@
                 <a:latin typeface="+mn-lt"/>
                 <a:cs typeface="Arial" pitchFamily="34" charset="0"/>
               </a:rPr>
-              <a:t>de 2016</a:t>
-            </a:r>
+              <a:t>de </a:t>
+            </a:r>
+            <a:r>
+              <a:rPr lang="pt-BR" sz="2200" b="1" dirty="0" smtClean="0">
+                <a:solidFill>
+                  <a:schemeClr val="accent1"/>
+                </a:solidFill>
+                <a:latin typeface="+mn-lt"/>
+                <a:cs typeface="Arial" pitchFamily="34" charset="0"/>
+              </a:rPr>
+              <a:t>2017</a:t>
+            </a:r>
+            <a:endParaRPr lang="pt-BR" sz="2200" b="1" dirty="0">
+              <a:solidFill>
+                <a:schemeClr val="accent1"/>
+              </a:solidFill>
+              <a:latin typeface="+mn-lt"/>
+              <a:cs typeface="Arial" pitchFamily="34" charset="0"/>
+            </a:endParaRPr>
           </a:p>
         </p:txBody>
       </p:sp>
@@ -9179,7 +9206,6 @@
               <a:rPr lang="pt-BR" sz="2000" dirty="0" smtClean="0"/>
               <a:t>Ethernet 10Base2</a:t>
             </a:r>
-            <a:endParaRPr lang="pt-BR" sz="2000" dirty="0" smtClean="0"/>
           </a:p>
           <a:p>
             <a:pPr lvl="1"/>
@@ -9187,7 +9213,6 @@
               <a:rPr lang="pt-BR" sz="2400" dirty="0" smtClean="0"/>
               <a:t>Estrela</a:t>
             </a:r>
-            <a:endParaRPr lang="pt-BR" sz="2400" dirty="0" smtClean="0"/>
           </a:p>
           <a:p>
             <a:pPr lvl="2"/>
@@ -10317,7 +10342,6 @@
               <a:rPr lang="pt-BR" dirty="0" smtClean="0"/>
               <a:t>Broadcast</a:t>
             </a:r>
-            <a:endParaRPr lang="pt-BR" dirty="0" smtClean="0"/>
           </a:p>
           <a:p>
             <a:pPr lvl="1"/>
@@ -10876,16 +10900,13 @@
             <a:pPr lvl="1"/>
             <a:r>
               <a:rPr lang="pt-BR" sz="2400" dirty="0" smtClean="0"/>
-              <a:t>switches mantêm tabelas de comutação, implementam filtragem,</a:t>
-            </a:r>
-          </a:p>
-          <a:p>
-            <a:pPr lvl="1"/>
+              <a:t>switches mantêm tabelas de comutação, implementam </a:t>
+            </a:r>
             <a:r>
               <a:rPr lang="pt-BR" sz="2400" dirty="0" smtClean="0"/>
-              <a:t>algoritmos de aprendizagem</a:t>
-            </a:r>
-            <a:endParaRPr lang="pt-BR" sz="2400" dirty="0"/>
+              <a:t>filtragem</a:t>
+            </a:r>
+            <a:endParaRPr lang="pt-BR" sz="2400" dirty="0" smtClean="0"/>
           </a:p>
         </p:txBody>
       </p:sp>
@@ -12336,7 +12357,12 @@
             <p:ph type="title"/>
           </p:nvPr>
         </p:nvSpPr>
-        <p:spPr/>
+        <p:spPr>
+          <a:xfrm>
+            <a:off x="457200" y="-27384"/>
+            <a:ext cx="8229600" cy="1143000"/>
+          </a:xfrm>
+        </p:spPr>
         <p:txBody>
           <a:bodyPr/>
           <a:lstStyle/>
@@ -12359,7 +12385,12 @@
             <p:ph idx="1"/>
           </p:nvPr>
         </p:nvSpPr>
-        <p:spPr/>
+        <p:spPr>
+          <a:xfrm>
+            <a:off x="-36512" y="1600200"/>
+            <a:ext cx="8229600" cy="4525963"/>
+          </a:xfrm>
+        </p:spPr>
         <p:txBody>
           <a:bodyPr/>
           <a:lstStyle/>
@@ -12396,8 +12427,8 @@
         </p:blipFill>
         <p:spPr bwMode="auto">
           <a:xfrm>
-            <a:off x="4518894" y="1484784"/>
-            <a:ext cx="4625106" cy="5028542"/>
+            <a:off x="3923928" y="986321"/>
+            <a:ext cx="5400600" cy="5871680"/>
           </a:xfrm>
           <a:prstGeom prst="rect">
             <a:avLst/>
@@ -12411,11 +12442,142 @@
           </a:ln>
         </p:spPr>
       </p:pic>
+      <p:sp>
+        <p:nvSpPr>
+          <p:cNvPr id="8" name="Right Arrow 7"/>
+          <p:cNvSpPr/>
+          <p:nvPr/>
+        </p:nvSpPr>
+        <p:spPr>
+          <a:xfrm>
+            <a:off x="3131840" y="5949280"/>
+            <a:ext cx="1224136" cy="360040"/>
+          </a:xfrm>
+          <a:prstGeom prst="rightArrow">
+            <a:avLst/>
+          </a:prstGeom>
+        </p:spPr>
+        <p:style>
+          <a:lnRef idx="2">
+            <a:schemeClr val="accent1">
+              <a:shade val="50000"/>
+            </a:schemeClr>
+          </a:lnRef>
+          <a:fillRef idx="1">
+            <a:schemeClr val="accent1"/>
+          </a:fillRef>
+          <a:effectRef idx="0">
+            <a:schemeClr val="accent1"/>
+          </a:effectRef>
+          <a:fontRef idx="minor">
+            <a:schemeClr val="lt1"/>
+          </a:fontRef>
+        </p:style>
+        <p:txBody>
+          <a:bodyPr rtlCol="0" anchor="ctr"/>
+          <a:lstStyle/>
+          <a:p>
+            <a:pPr algn="ctr"/>
+            <a:endParaRPr lang="pt-BR"/>
+          </a:p>
+        </p:txBody>
+      </p:sp>
+      <p:sp>
+        <p:nvSpPr>
+          <p:cNvPr id="9" name="Rectangle 8"/>
+          <p:cNvSpPr/>
+          <p:nvPr/>
+        </p:nvSpPr>
+        <p:spPr>
+          <a:xfrm>
+            <a:off x="395536" y="5661248"/>
+            <a:ext cx="2232248" cy="1008112"/>
+          </a:xfrm>
+          <a:prstGeom prst="rect">
+            <a:avLst/>
+          </a:prstGeom>
+        </p:spPr>
+        <p:style>
+          <a:lnRef idx="2">
+            <a:schemeClr val="accent1">
+              <a:shade val="50000"/>
+            </a:schemeClr>
+          </a:lnRef>
+          <a:fillRef idx="1">
+            <a:schemeClr val="accent1"/>
+          </a:fillRef>
+          <a:effectRef idx="0">
+            <a:schemeClr val="accent1"/>
+          </a:effectRef>
+          <a:fontRef idx="minor">
+            <a:schemeClr val="lt1"/>
+          </a:fontRef>
+        </p:style>
+        <p:txBody>
+          <a:bodyPr rtlCol="0" anchor="ctr"/>
+          <a:lstStyle/>
+          <a:p>
+            <a:pPr algn="ctr"/>
+            <a:r>
+              <a:rPr lang="pt-BR" dirty="0" smtClean="0"/>
+              <a:t>Bits de paridade – 0 se o numero de 1s é par; 1, se for ímpar</a:t>
+            </a:r>
+            <a:endParaRPr lang="pt-BR" dirty="0"/>
+          </a:p>
+        </p:txBody>
+      </p:sp>
+      <p:sp>
+        <p:nvSpPr>
+          <p:cNvPr id="10" name="Right Arrow 9"/>
+          <p:cNvSpPr/>
+          <p:nvPr/>
+        </p:nvSpPr>
+        <p:spPr>
+          <a:xfrm rot="5400000">
+            <a:off x="5364088" y="3861048"/>
+            <a:ext cx="936104" cy="360040"/>
+          </a:xfrm>
+          <a:prstGeom prst="rightArrow">
+            <a:avLst/>
+          </a:prstGeom>
+        </p:spPr>
+        <p:style>
+          <a:lnRef idx="2">
+            <a:schemeClr val="accent1">
+              <a:shade val="50000"/>
+            </a:schemeClr>
+          </a:lnRef>
+          <a:fillRef idx="1">
+            <a:schemeClr val="accent1"/>
+          </a:fillRef>
+          <a:effectRef idx="0">
+            <a:schemeClr val="accent1"/>
+          </a:effectRef>
+          <a:fontRef idx="minor">
+            <a:schemeClr val="lt1"/>
+          </a:fontRef>
+        </p:style>
+        <p:txBody>
+          <a:bodyPr rtlCol="0" anchor="ctr"/>
+          <a:lstStyle/>
+          <a:p>
+            <a:pPr algn="ctr"/>
+            <a:endParaRPr lang="pt-BR"/>
+          </a:p>
+        </p:txBody>
+      </p:sp>
     </p:spTree>
   </p:cSld>
   <p:clrMapOvr>
     <a:masterClrMapping/>
   </p:clrMapOvr>
+  <p:timing>
+    <p:tnLst>
+      <p:par>
+        <p:cTn id="1" dur="indefinite" restart="never" nodeType="tmRoot"/>
+      </p:par>
+    </p:tnLst>
+  </p:timing>
 </p:sld>
 </file>
 
@@ -12589,6 +12751,13 @@
   <p:clrMapOvr>
     <a:masterClrMapping/>
   </p:clrMapOvr>
+  <p:timing>
+    <p:tnLst>
+      <p:par>
+        <p:cTn id="1" dur="indefinite" restart="never" nodeType="tmRoot"/>
+      </p:par>
+    </p:tnLst>
+  </p:timing>
 </p:sld>
 </file>
 
